--- a/for_post/230907.pptx
+++ b/for_post/230907.pptx
@@ -7,8 +7,10 @@
   <p:sldIdLst>
     <p:sldId id="259" r:id="rId2"/>
     <p:sldId id="256" r:id="rId3"/>
-    <p:sldId id="257" r:id="rId4"/>
-    <p:sldId id="258" r:id="rId5"/>
+    <p:sldId id="260" r:id="rId4"/>
+    <p:sldId id="261" r:id="rId5"/>
+    <p:sldId id="257" r:id="rId6"/>
+    <p:sldId id="258" r:id="rId7"/>
   </p:sldIdLst>
   <p:sldSz cx="12192000" cy="6858000"/>
   <p:notesSz cx="6858000" cy="9144000"/>
@@ -3635,7 +3637,7 @@
         </p:blipFill>
         <p:spPr>
           <a:xfrm>
-            <a:off x="7259631" y="2425598"/>
+            <a:off x="2957499" y="1742236"/>
             <a:ext cx="1622388" cy="1366724"/>
           </a:xfrm>
           <a:prstGeom prst="rect">
@@ -5071,6 +5073,736 @@
       </p:grpSpPr>
       <p:sp>
         <p:nvSpPr>
+          <p:cNvPr id="59" name="Rectangle 58">
+            <a:extLst>
+              <a:ext uri="{FF2B5EF4-FFF2-40B4-BE49-F238E27FC236}">
+                <a16:creationId xmlns:a16="http://schemas.microsoft.com/office/drawing/2014/main" id="{531D59D0-99A5-A5FA-7E00-4764E4B8DA83}"/>
+              </a:ext>
+            </a:extLst>
+          </p:cNvPr>
+          <p:cNvSpPr/>
+          <p:nvPr/>
+        </p:nvSpPr>
+        <p:spPr>
+          <a:xfrm>
+            <a:off x="2598874" y="282021"/>
+            <a:ext cx="7459935" cy="5200337"/>
+          </a:xfrm>
+          <a:prstGeom prst="rect">
+            <a:avLst/>
+          </a:prstGeom>
+          <a:noFill/>
+          <a:ln>
+            <a:solidFill>
+              <a:schemeClr val="bg1"/>
+            </a:solidFill>
+          </a:ln>
+        </p:spPr>
+        <p:style>
+          <a:lnRef idx="2">
+            <a:schemeClr val="accent1">
+              <a:shade val="15000"/>
+            </a:schemeClr>
+          </a:lnRef>
+          <a:fillRef idx="1">
+            <a:schemeClr val="accent1"/>
+          </a:fillRef>
+          <a:effectRef idx="0">
+            <a:schemeClr val="accent1"/>
+          </a:effectRef>
+          <a:fontRef idx="minor">
+            <a:schemeClr val="lt1"/>
+          </a:fontRef>
+        </p:style>
+        <p:txBody>
+          <a:bodyPr rtlCol="0" anchor="ctr"/>
+          <a:lstStyle/>
+          <a:p>
+            <a:pPr algn="ctr"/>
+            <a:endParaRPr lang="ko-KR" altLang="en-US"/>
+          </a:p>
+        </p:txBody>
+      </p:sp>
+      <p:pic>
+        <p:nvPicPr>
+          <p:cNvPr id="44" name="Picture 43">
+            <a:extLst>
+              <a:ext uri="{FF2B5EF4-FFF2-40B4-BE49-F238E27FC236}">
+                <a16:creationId xmlns:a16="http://schemas.microsoft.com/office/drawing/2014/main" id="{CE2E4EE1-A8F4-52CB-F519-72F1968040F6}"/>
+              </a:ext>
+            </a:extLst>
+          </p:cNvPr>
+          <p:cNvPicPr>
+            <a:picLocks noChangeAspect="1"/>
+          </p:cNvPicPr>
+          <p:nvPr/>
+        </p:nvPicPr>
+        <p:blipFill>
+          <a:blip r:embed="rId2"/>
+          <a:stretch>
+            <a:fillRect/>
+          </a:stretch>
+        </p:blipFill>
+        <p:spPr>
+          <a:xfrm>
+            <a:off x="2658313" y="324996"/>
+            <a:ext cx="3275926" cy="1126854"/>
+          </a:xfrm>
+          <a:prstGeom prst="rect">
+            <a:avLst/>
+          </a:prstGeom>
+          <a:ln>
+            <a:solidFill>
+              <a:schemeClr val="bg1">
+                <a:lumMod val="75000"/>
+              </a:schemeClr>
+            </a:solidFill>
+          </a:ln>
+        </p:spPr>
+      </p:pic>
+      <p:pic>
+        <p:nvPicPr>
+          <p:cNvPr id="5" name="Picture 4" descr="A screenshot of a computer&#10;&#10;Description automatically generated">
+            <a:extLst>
+              <a:ext uri="{FF2B5EF4-FFF2-40B4-BE49-F238E27FC236}">
+                <a16:creationId xmlns:a16="http://schemas.microsoft.com/office/drawing/2014/main" id="{A3DCBE04-1534-3313-7E51-90FDBA29B6FA}"/>
+              </a:ext>
+            </a:extLst>
+          </p:cNvPr>
+          <p:cNvPicPr>
+            <a:picLocks noChangeAspect="1"/>
+          </p:cNvPicPr>
+          <p:nvPr/>
+        </p:nvPicPr>
+        <p:blipFill>
+          <a:blip r:embed="rId3">
+            <a:extLst>
+              <a:ext uri="{28A0092B-C50C-407E-A947-70E740481C1C}">
+                <a14:useLocalDpi xmlns:a14="http://schemas.microsoft.com/office/drawing/2010/main" val="0"/>
+              </a:ext>
+            </a:extLst>
+          </a:blip>
+          <a:stretch>
+            <a:fillRect/>
+          </a:stretch>
+        </p:blipFill>
+        <p:spPr>
+          <a:xfrm>
+            <a:off x="2658313" y="2049153"/>
+            <a:ext cx="3275926" cy="1802544"/>
+          </a:xfrm>
+          <a:prstGeom prst="rect">
+            <a:avLst/>
+          </a:prstGeom>
+          <a:noFill/>
+          <a:ln w="19050">
+            <a:solidFill>
+              <a:schemeClr val="tx1"/>
+            </a:solidFill>
+          </a:ln>
+        </p:spPr>
+      </p:pic>
+      <p:sp>
+        <p:nvSpPr>
+          <p:cNvPr id="45" name="Rectangle 44">
+            <a:extLst>
+              <a:ext uri="{FF2B5EF4-FFF2-40B4-BE49-F238E27FC236}">
+                <a16:creationId xmlns:a16="http://schemas.microsoft.com/office/drawing/2014/main" id="{2C355150-8681-B8A7-26F5-750ADDFAF025}"/>
+              </a:ext>
+            </a:extLst>
+          </p:cNvPr>
+          <p:cNvSpPr/>
+          <p:nvPr/>
+        </p:nvSpPr>
+        <p:spPr>
+          <a:xfrm>
+            <a:off x="4226776" y="2459108"/>
+            <a:ext cx="1683001" cy="196179"/>
+          </a:xfrm>
+          <a:prstGeom prst="rect">
+            <a:avLst/>
+          </a:prstGeom>
+          <a:solidFill>
+            <a:srgbClr val="FF0000">
+              <a:alpha val="20000"/>
+            </a:srgbClr>
+          </a:solidFill>
+          <a:ln>
+            <a:noFill/>
+          </a:ln>
+        </p:spPr>
+        <p:style>
+          <a:lnRef idx="2">
+            <a:schemeClr val="accent1">
+              <a:shade val="15000"/>
+            </a:schemeClr>
+          </a:lnRef>
+          <a:fillRef idx="1">
+            <a:schemeClr val="accent1"/>
+          </a:fillRef>
+          <a:effectRef idx="0">
+            <a:schemeClr val="accent1"/>
+          </a:effectRef>
+          <a:fontRef idx="minor">
+            <a:schemeClr val="lt1"/>
+          </a:fontRef>
+        </p:style>
+        <p:txBody>
+          <a:bodyPr rtlCol="0" anchor="ctr"/>
+          <a:lstStyle/>
+          <a:p>
+            <a:pPr algn="ctr"/>
+            <a:endParaRPr lang="ko-KR" altLang="en-US" dirty="0"/>
+          </a:p>
+        </p:txBody>
+      </p:sp>
+      <p:pic>
+        <p:nvPicPr>
+          <p:cNvPr id="48" name="Picture 47">
+            <a:extLst>
+              <a:ext uri="{FF2B5EF4-FFF2-40B4-BE49-F238E27FC236}">
+                <a16:creationId xmlns:a16="http://schemas.microsoft.com/office/drawing/2014/main" id="{58E684A6-E1F1-4092-D395-8113CB638B3D}"/>
+              </a:ext>
+            </a:extLst>
+          </p:cNvPr>
+          <p:cNvPicPr>
+            <a:picLocks noChangeAspect="1"/>
+          </p:cNvPicPr>
+          <p:nvPr/>
+        </p:nvPicPr>
+        <p:blipFill>
+          <a:blip r:embed="rId4"/>
+          <a:stretch>
+            <a:fillRect/>
+          </a:stretch>
+        </p:blipFill>
+        <p:spPr>
+          <a:xfrm>
+            <a:off x="6468834" y="376065"/>
+            <a:ext cx="3539167" cy="1389068"/>
+          </a:xfrm>
+          <a:prstGeom prst="rect">
+            <a:avLst/>
+          </a:prstGeom>
+          <a:noFill/>
+          <a:ln w="19050">
+            <a:solidFill>
+              <a:schemeClr val="tx1"/>
+            </a:solidFill>
+          </a:ln>
+        </p:spPr>
+      </p:pic>
+      <p:pic>
+        <p:nvPicPr>
+          <p:cNvPr id="50" name="Picture 49">
+            <a:extLst>
+              <a:ext uri="{FF2B5EF4-FFF2-40B4-BE49-F238E27FC236}">
+                <a16:creationId xmlns:a16="http://schemas.microsoft.com/office/drawing/2014/main" id="{46BA79F8-B714-1292-43C7-90604E8E5E68}"/>
+              </a:ext>
+            </a:extLst>
+          </p:cNvPr>
+          <p:cNvPicPr>
+            <a:picLocks noChangeAspect="1"/>
+          </p:cNvPicPr>
+          <p:nvPr/>
+        </p:nvPicPr>
+        <p:blipFill>
+          <a:blip r:embed="rId5"/>
+          <a:stretch>
+            <a:fillRect/>
+          </a:stretch>
+        </p:blipFill>
+        <p:spPr>
+          <a:xfrm>
+            <a:off x="6468834" y="2242431"/>
+            <a:ext cx="3539167" cy="1609390"/>
+          </a:xfrm>
+          <a:prstGeom prst="rect">
+            <a:avLst/>
+          </a:prstGeom>
+          <a:noFill/>
+          <a:ln w="19050">
+            <a:solidFill>
+              <a:schemeClr val="tx1"/>
+            </a:solidFill>
+          </a:ln>
+        </p:spPr>
+      </p:pic>
+      <p:cxnSp>
+        <p:nvCxnSpPr>
+          <p:cNvPr id="52" name="Straight Arrow Connector 51">
+            <a:extLst>
+              <a:ext uri="{FF2B5EF4-FFF2-40B4-BE49-F238E27FC236}">
+                <a16:creationId xmlns:a16="http://schemas.microsoft.com/office/drawing/2014/main" id="{6E3CD5CC-8DD6-025F-DF0E-C94ED328FCB6}"/>
+              </a:ext>
+            </a:extLst>
+          </p:cNvPr>
+          <p:cNvCxnSpPr>
+            <a:cxnSpLocks/>
+          </p:cNvCxnSpPr>
+          <p:nvPr/>
+        </p:nvCxnSpPr>
+        <p:spPr>
+          <a:xfrm>
+            <a:off x="4449453" y="1282044"/>
+            <a:ext cx="0" cy="1068108"/>
+          </a:xfrm>
+          <a:prstGeom prst="straightConnector1">
+            <a:avLst/>
+          </a:prstGeom>
+          <a:ln w="19050">
+            <a:solidFill>
+              <a:srgbClr val="FF0000"/>
+            </a:solidFill>
+            <a:prstDash val="dash"/>
+            <a:tailEnd type="triangle"/>
+          </a:ln>
+        </p:spPr>
+        <p:style>
+          <a:lnRef idx="1">
+            <a:schemeClr val="accent1"/>
+          </a:lnRef>
+          <a:fillRef idx="0">
+            <a:schemeClr val="accent1"/>
+          </a:fillRef>
+          <a:effectRef idx="0">
+            <a:schemeClr val="accent1"/>
+          </a:effectRef>
+          <a:fontRef idx="minor">
+            <a:schemeClr val="tx1"/>
+          </a:fontRef>
+        </p:style>
+      </p:cxnSp>
+      <p:cxnSp>
+        <p:nvCxnSpPr>
+          <p:cNvPr id="54" name="Straight Arrow Connector 53">
+            <a:extLst>
+              <a:ext uri="{FF2B5EF4-FFF2-40B4-BE49-F238E27FC236}">
+                <a16:creationId xmlns:a16="http://schemas.microsoft.com/office/drawing/2014/main" id="{ADCAFD7C-D66D-2BCF-1077-74747ED721C5}"/>
+              </a:ext>
+            </a:extLst>
+          </p:cNvPr>
+          <p:cNvCxnSpPr>
+            <a:cxnSpLocks/>
+          </p:cNvCxnSpPr>
+          <p:nvPr/>
+        </p:nvCxnSpPr>
+        <p:spPr>
+          <a:xfrm flipV="1">
+            <a:off x="6023727" y="1696823"/>
+            <a:ext cx="358221" cy="754144"/>
+          </a:xfrm>
+          <a:prstGeom prst="straightConnector1">
+            <a:avLst/>
+          </a:prstGeom>
+          <a:ln w="19050">
+            <a:solidFill>
+              <a:srgbClr val="FF0000"/>
+            </a:solidFill>
+            <a:prstDash val="dash"/>
+            <a:tailEnd type="triangle"/>
+          </a:ln>
+        </p:spPr>
+        <p:style>
+          <a:lnRef idx="1">
+            <a:schemeClr val="accent1"/>
+          </a:lnRef>
+          <a:fillRef idx="0">
+            <a:schemeClr val="accent1"/>
+          </a:fillRef>
+          <a:effectRef idx="0">
+            <a:schemeClr val="accent1"/>
+          </a:effectRef>
+          <a:fontRef idx="minor">
+            <a:schemeClr val="tx1"/>
+          </a:fontRef>
+        </p:style>
+      </p:cxnSp>
+      <p:cxnSp>
+        <p:nvCxnSpPr>
+          <p:cNvPr id="56" name="Straight Arrow Connector 55">
+            <a:extLst>
+              <a:ext uri="{FF2B5EF4-FFF2-40B4-BE49-F238E27FC236}">
+                <a16:creationId xmlns:a16="http://schemas.microsoft.com/office/drawing/2014/main" id="{CEEA5602-A308-C444-170A-07E7FB686F62}"/>
+              </a:ext>
+            </a:extLst>
+          </p:cNvPr>
+          <p:cNvCxnSpPr>
+            <a:cxnSpLocks/>
+          </p:cNvCxnSpPr>
+          <p:nvPr/>
+        </p:nvCxnSpPr>
+        <p:spPr>
+          <a:xfrm>
+            <a:off x="8238417" y="1861848"/>
+            <a:ext cx="0" cy="304517"/>
+          </a:xfrm>
+          <a:prstGeom prst="straightConnector1">
+            <a:avLst/>
+          </a:prstGeom>
+          <a:ln w="19050">
+            <a:solidFill>
+              <a:srgbClr val="FF0000"/>
+            </a:solidFill>
+            <a:prstDash val="dash"/>
+            <a:tailEnd type="triangle"/>
+          </a:ln>
+        </p:spPr>
+        <p:style>
+          <a:lnRef idx="1">
+            <a:schemeClr val="accent1"/>
+          </a:lnRef>
+          <a:fillRef idx="0">
+            <a:schemeClr val="accent1"/>
+          </a:fillRef>
+          <a:effectRef idx="0">
+            <a:schemeClr val="accent1"/>
+          </a:effectRef>
+          <a:fontRef idx="minor">
+            <a:schemeClr val="tx1"/>
+          </a:fontRef>
+        </p:style>
+      </p:cxnSp>
+      <p:sp>
+        <p:nvSpPr>
+          <p:cNvPr id="62" name="Rectangle 61">
+            <a:extLst>
+              <a:ext uri="{FF2B5EF4-FFF2-40B4-BE49-F238E27FC236}">
+                <a16:creationId xmlns:a16="http://schemas.microsoft.com/office/drawing/2014/main" id="{44977DC1-C544-4707-03BE-907EDEB8A88E}"/>
+              </a:ext>
+            </a:extLst>
+          </p:cNvPr>
+          <p:cNvSpPr/>
+          <p:nvPr/>
+        </p:nvSpPr>
+        <p:spPr>
+          <a:xfrm>
+            <a:off x="7099575" y="2836681"/>
+            <a:ext cx="1024339" cy="174816"/>
+          </a:xfrm>
+          <a:prstGeom prst="rect">
+            <a:avLst/>
+          </a:prstGeom>
+          <a:solidFill>
+            <a:srgbClr val="FF0000">
+              <a:alpha val="20000"/>
+            </a:srgbClr>
+          </a:solidFill>
+          <a:ln>
+            <a:noFill/>
+          </a:ln>
+        </p:spPr>
+        <p:style>
+          <a:lnRef idx="2">
+            <a:schemeClr val="accent1">
+              <a:shade val="15000"/>
+            </a:schemeClr>
+          </a:lnRef>
+          <a:fillRef idx="1">
+            <a:schemeClr val="accent1"/>
+          </a:fillRef>
+          <a:effectRef idx="0">
+            <a:schemeClr val="accent1"/>
+          </a:effectRef>
+          <a:fontRef idx="minor">
+            <a:schemeClr val="lt1"/>
+          </a:fontRef>
+        </p:style>
+        <p:txBody>
+          <a:bodyPr rtlCol="0" anchor="ctr"/>
+          <a:lstStyle/>
+          <a:p>
+            <a:pPr algn="ctr"/>
+            <a:endParaRPr lang="ko-KR" altLang="en-US" dirty="0"/>
+          </a:p>
+        </p:txBody>
+      </p:sp>
+      <p:pic>
+        <p:nvPicPr>
+          <p:cNvPr id="63" name="Picture 62">
+            <a:extLst>
+              <a:ext uri="{FF2B5EF4-FFF2-40B4-BE49-F238E27FC236}">
+                <a16:creationId xmlns:a16="http://schemas.microsoft.com/office/drawing/2014/main" id="{236EFE94-B44E-5EDB-B944-3CDF9059450C}"/>
+              </a:ext>
+            </a:extLst>
+          </p:cNvPr>
+          <p:cNvPicPr>
+            <a:picLocks noChangeAspect="1"/>
+          </p:cNvPicPr>
+          <p:nvPr/>
+        </p:nvPicPr>
+        <p:blipFill>
+          <a:blip r:embed="rId6"/>
+          <a:stretch>
+            <a:fillRect/>
+          </a:stretch>
+        </p:blipFill>
+        <p:spPr>
+          <a:xfrm>
+            <a:off x="2658313" y="4262876"/>
+            <a:ext cx="3275926" cy="1184311"/>
+          </a:xfrm>
+          <a:prstGeom prst="rect">
+            <a:avLst/>
+          </a:prstGeom>
+          <a:ln>
+            <a:solidFill>
+              <a:schemeClr val="bg1">
+                <a:lumMod val="75000"/>
+              </a:schemeClr>
+            </a:solidFill>
+          </a:ln>
+        </p:spPr>
+      </p:pic>
+      <p:pic>
+        <p:nvPicPr>
+          <p:cNvPr id="64" name="Picture 63">
+            <a:extLst>
+              <a:ext uri="{FF2B5EF4-FFF2-40B4-BE49-F238E27FC236}">
+                <a16:creationId xmlns:a16="http://schemas.microsoft.com/office/drawing/2014/main" id="{EAD0F666-F6E4-28FF-D24C-8A8EF2492D84}"/>
+              </a:ext>
+            </a:extLst>
+          </p:cNvPr>
+          <p:cNvPicPr>
+            <a:picLocks noChangeAspect="1"/>
+          </p:cNvPicPr>
+          <p:nvPr/>
+        </p:nvPicPr>
+        <p:blipFill>
+          <a:blip r:embed="rId7"/>
+          <a:stretch>
+            <a:fillRect/>
+          </a:stretch>
+        </p:blipFill>
+        <p:spPr>
+          <a:xfrm>
+            <a:off x="6381948" y="4684053"/>
+            <a:ext cx="3248478" cy="247685"/>
+          </a:xfrm>
+          <a:prstGeom prst="rect">
+            <a:avLst/>
+          </a:prstGeom>
+        </p:spPr>
+      </p:pic>
+      <p:cxnSp>
+        <p:nvCxnSpPr>
+          <p:cNvPr id="65" name="Straight Arrow Connector 64">
+            <a:extLst>
+              <a:ext uri="{FF2B5EF4-FFF2-40B4-BE49-F238E27FC236}">
+                <a16:creationId xmlns:a16="http://schemas.microsoft.com/office/drawing/2014/main" id="{8095B8BF-43E0-1DF8-12A6-7E14F816C1C4}"/>
+              </a:ext>
+            </a:extLst>
+          </p:cNvPr>
+          <p:cNvCxnSpPr>
+            <a:cxnSpLocks/>
+          </p:cNvCxnSpPr>
+          <p:nvPr/>
+        </p:nvCxnSpPr>
+        <p:spPr>
+          <a:xfrm>
+            <a:off x="7682235" y="3011497"/>
+            <a:ext cx="0" cy="1569930"/>
+          </a:xfrm>
+          <a:prstGeom prst="straightConnector1">
+            <a:avLst/>
+          </a:prstGeom>
+          <a:ln w="19050">
+            <a:solidFill>
+              <a:srgbClr val="FF0000"/>
+            </a:solidFill>
+            <a:prstDash val="dash"/>
+            <a:tailEnd type="triangle"/>
+          </a:ln>
+        </p:spPr>
+        <p:style>
+          <a:lnRef idx="1">
+            <a:schemeClr val="accent1"/>
+          </a:lnRef>
+          <a:fillRef idx="0">
+            <a:schemeClr val="accent1"/>
+          </a:fillRef>
+          <a:effectRef idx="0">
+            <a:schemeClr val="accent1"/>
+          </a:effectRef>
+          <a:fontRef idx="minor">
+            <a:schemeClr val="tx1"/>
+          </a:fontRef>
+        </p:style>
+      </p:cxnSp>
+    </p:spTree>
+    <p:extLst>
+      <p:ext uri="{BB962C8B-B14F-4D97-AF65-F5344CB8AC3E}">
+        <p14:creationId xmlns:p14="http://schemas.microsoft.com/office/powerpoint/2010/main" val="2919303586"/>
+      </p:ext>
+    </p:extLst>
+  </p:cSld>
+  <p:clrMapOvr>
+    <a:masterClrMapping/>
+  </p:clrMapOvr>
+</p:sld>
+</file>
+
+<file path=ppt/slides/slide4.xml><?xml version="1.0" encoding="utf-8"?>
+<p:sld xmlns:a="http://schemas.openxmlformats.org/drawingml/2006/main" xmlns:r="http://schemas.openxmlformats.org/officeDocument/2006/relationships" xmlns:p="http://schemas.openxmlformats.org/presentationml/2006/main">
+  <p:cSld>
+    <p:spTree>
+      <p:nvGrpSpPr>
+        <p:cNvPr id="1" name=""/>
+        <p:cNvGrpSpPr/>
+        <p:nvPr/>
+      </p:nvGrpSpPr>
+      <p:grpSpPr>
+        <a:xfrm>
+          <a:off x="0" y="0"/>
+          <a:ext cx="0" cy="0"/>
+          <a:chOff x="0" y="0"/>
+          <a:chExt cx="0" cy="0"/>
+        </a:xfrm>
+      </p:grpSpPr>
+      <p:pic>
+        <p:nvPicPr>
+          <p:cNvPr id="14" name="Picture 13">
+            <a:extLst>
+              <a:ext uri="{FF2B5EF4-FFF2-40B4-BE49-F238E27FC236}">
+                <a16:creationId xmlns:a16="http://schemas.microsoft.com/office/drawing/2014/main" id="{E92BD3EC-C85F-68C1-14AE-A1C224288C8F}"/>
+              </a:ext>
+            </a:extLst>
+          </p:cNvPr>
+          <p:cNvPicPr>
+            <a:picLocks noChangeAspect="1"/>
+          </p:cNvPicPr>
+          <p:nvPr/>
+        </p:nvPicPr>
+        <p:blipFill>
+          <a:blip r:embed="rId2"/>
+          <a:stretch>
+            <a:fillRect/>
+          </a:stretch>
+        </p:blipFill>
+        <p:spPr>
+          <a:xfrm>
+            <a:off x="2658313" y="1278626"/>
+            <a:ext cx="3275926" cy="1184311"/>
+          </a:xfrm>
+          <a:prstGeom prst="rect">
+            <a:avLst/>
+          </a:prstGeom>
+        </p:spPr>
+      </p:pic>
+      <p:pic>
+        <p:nvPicPr>
+          <p:cNvPr id="17" name="Picture 16">
+            <a:extLst>
+              <a:ext uri="{FF2B5EF4-FFF2-40B4-BE49-F238E27FC236}">
+                <a16:creationId xmlns:a16="http://schemas.microsoft.com/office/drawing/2014/main" id="{026E9258-F14E-55FE-2A71-C112515DEA12}"/>
+              </a:ext>
+            </a:extLst>
+          </p:cNvPr>
+          <p:cNvPicPr>
+            <a:picLocks noChangeAspect="1"/>
+          </p:cNvPicPr>
+          <p:nvPr/>
+        </p:nvPicPr>
+        <p:blipFill>
+          <a:blip r:embed="rId3"/>
+          <a:stretch>
+            <a:fillRect/>
+          </a:stretch>
+        </p:blipFill>
+        <p:spPr>
+          <a:xfrm>
+            <a:off x="2672037" y="2747568"/>
+            <a:ext cx="3248478" cy="247685"/>
+          </a:xfrm>
+          <a:prstGeom prst="rect">
+            <a:avLst/>
+          </a:prstGeom>
+        </p:spPr>
+      </p:pic>
+      <p:sp>
+        <p:nvSpPr>
+          <p:cNvPr id="18" name="Rectangle 17">
+            <a:extLst>
+              <a:ext uri="{FF2B5EF4-FFF2-40B4-BE49-F238E27FC236}">
+                <a16:creationId xmlns:a16="http://schemas.microsoft.com/office/drawing/2014/main" id="{462C1DB4-136D-2E22-1AB4-6B1C3E87E261}"/>
+              </a:ext>
+            </a:extLst>
+          </p:cNvPr>
+          <p:cNvSpPr/>
+          <p:nvPr/>
+        </p:nvSpPr>
+        <p:spPr>
+          <a:xfrm>
+            <a:off x="2318995" y="1192263"/>
+            <a:ext cx="7777113" cy="3605980"/>
+          </a:xfrm>
+          <a:prstGeom prst="rect">
+            <a:avLst/>
+          </a:prstGeom>
+          <a:noFill/>
+          <a:ln>
+            <a:solidFill>
+              <a:schemeClr val="bg1"/>
+            </a:solidFill>
+          </a:ln>
+        </p:spPr>
+        <p:style>
+          <a:lnRef idx="2">
+            <a:schemeClr val="accent1">
+              <a:shade val="15000"/>
+            </a:schemeClr>
+          </a:lnRef>
+          <a:fillRef idx="1">
+            <a:schemeClr val="accent1"/>
+          </a:fillRef>
+          <a:effectRef idx="0">
+            <a:schemeClr val="accent1"/>
+          </a:effectRef>
+          <a:fontRef idx="minor">
+            <a:schemeClr val="lt1"/>
+          </a:fontRef>
+        </p:style>
+        <p:txBody>
+          <a:bodyPr rtlCol="0" anchor="ctr"/>
+          <a:lstStyle/>
+          <a:p>
+            <a:pPr algn="ctr"/>
+            <a:endParaRPr lang="ko-KR" altLang="en-US"/>
+          </a:p>
+        </p:txBody>
+      </p:sp>
+    </p:spTree>
+    <p:extLst>
+      <p:ext uri="{BB962C8B-B14F-4D97-AF65-F5344CB8AC3E}">
+        <p14:creationId xmlns:p14="http://schemas.microsoft.com/office/powerpoint/2010/main" val="798058460"/>
+      </p:ext>
+    </p:extLst>
+  </p:cSld>
+  <p:clrMapOvr>
+    <a:masterClrMapping/>
+  </p:clrMapOvr>
+</p:sld>
+</file>
+
+<file path=ppt/slides/slide5.xml><?xml version="1.0" encoding="utf-8"?>
+<p:sld xmlns:a="http://schemas.openxmlformats.org/drawingml/2006/main" xmlns:r="http://schemas.openxmlformats.org/officeDocument/2006/relationships" xmlns:p="http://schemas.openxmlformats.org/presentationml/2006/main">
+  <p:cSld>
+    <p:spTree>
+      <p:nvGrpSpPr>
+        <p:cNvPr id="1" name=""/>
+        <p:cNvGrpSpPr/>
+        <p:nvPr/>
+      </p:nvGrpSpPr>
+      <p:grpSpPr>
+        <a:xfrm>
+          <a:off x="0" y="0"/>
+          <a:ext cx="0" cy="0"/>
+          <a:chOff x="0" y="0"/>
+          <a:chExt cx="0" cy="0"/>
+        </a:xfrm>
+      </p:grpSpPr>
+      <p:sp>
+        <p:nvSpPr>
           <p:cNvPr id="44" name="Rectangle 43">
             <a:extLst>
               <a:ext uri="{FF2B5EF4-FFF2-40B4-BE49-F238E27FC236}">
@@ -6305,7 +7037,7 @@
 </p:sld>
 </file>
 
-<file path=ppt/slides/slide4.xml><?xml version="1.0" encoding="utf-8"?>
+<file path=ppt/slides/slide6.xml><?xml version="1.0" encoding="utf-8"?>
 <p:sld xmlns:a="http://schemas.openxmlformats.org/drawingml/2006/main" xmlns:r="http://schemas.openxmlformats.org/officeDocument/2006/relationships" xmlns:p="http://schemas.openxmlformats.org/presentationml/2006/main">
   <p:cSld>
     <p:spTree>
